--- a/web开发环境概述.pptx
+++ b/web开发环境概述.pptx
@@ -19,8 +19,13 @@
     <p:sldId id="270" r:id="rId13"/>
     <p:sldId id="266" r:id="rId14"/>
     <p:sldId id="271" r:id="rId15"/>
-    <p:sldId id="267" r:id="rId16"/>
-    <p:sldId id="268" r:id="rId17"/>
+    <p:sldId id="272" r:id="rId16"/>
+    <p:sldId id="274" r:id="rId17"/>
+    <p:sldId id="275" r:id="rId18"/>
+    <p:sldId id="276" r:id="rId19"/>
+    <p:sldId id="273" r:id="rId20"/>
+    <p:sldId id="267" r:id="rId21"/>
+    <p:sldId id="268" r:id="rId22"/>
   </p:sldIdLst>
   <p:sldSz cx="9144000" cy="6858000" type="screen4x3"/>
   <p:notesSz cx="6858000" cy="9144000"/>
@@ -138,6 +143,11 @@
             <p14:sldId id="270"/>
             <p14:sldId id="266"/>
             <p14:sldId id="271"/>
+            <p14:sldId id="272"/>
+            <p14:sldId id="274"/>
+            <p14:sldId id="275"/>
+            <p14:sldId id="276"/>
+            <p14:sldId id="273"/>
             <p14:sldId id="267"/>
             <p14:sldId id="268"/>
           </p14:sldIdLst>
@@ -340,7 +350,7 @@
             <a:fld id="{B61BEF0D-F0BB-DE4B-95CE-6DB70DBA9567}" type="datetimeFigureOut">
               <a:rPr lang="en-US" smtClean="0"/>
               <a:pPr/>
-              <a:t>4/19/2020</a:t>
+              <a:t>6/26/2020</a:t>
             </a:fld>
             <a:endParaRPr lang="en-US" dirty="0"/>
           </a:p>
@@ -674,7 +684,7 @@
             <a:fld id="{B61BEF0D-F0BB-DE4B-95CE-6DB70DBA9567}" type="datetimeFigureOut">
               <a:rPr lang="en-US" smtClean="0"/>
               <a:pPr/>
-              <a:t>4/19/2020</a:t>
+              <a:t>6/26/2020</a:t>
             </a:fld>
             <a:endParaRPr lang="en-US" dirty="0"/>
           </a:p>
@@ -1075,7 +1085,7 @@
             <a:fld id="{B61BEF0D-F0BB-DE4B-95CE-6DB70DBA9567}" type="datetimeFigureOut">
               <a:rPr lang="en-US" smtClean="0"/>
               <a:pPr/>
-              <a:t>4/19/2020</a:t>
+              <a:t>6/26/2020</a:t>
             </a:fld>
             <a:endParaRPr lang="en-US" dirty="0"/>
           </a:p>
@@ -1411,7 +1421,7 @@
             <a:fld id="{B61BEF0D-F0BB-DE4B-95CE-6DB70DBA9567}" type="datetimeFigureOut">
               <a:rPr lang="en-US" smtClean="0"/>
               <a:pPr/>
-              <a:t>4/19/2020</a:t>
+              <a:t>6/26/2020</a:t>
             </a:fld>
             <a:endParaRPr lang="en-US" dirty="0"/>
           </a:p>
@@ -1731,7 +1741,7 @@
             <a:fld id="{B61BEF0D-F0BB-DE4B-95CE-6DB70DBA9567}" type="datetimeFigureOut">
               <a:rPr lang="en-US" smtClean="0"/>
               <a:pPr/>
-              <a:t>4/19/2020</a:t>
+              <a:t>6/26/2020</a:t>
             </a:fld>
             <a:endParaRPr lang="en-US" dirty="0"/>
           </a:p>
@@ -2127,7 +2137,7 @@
             <a:fld id="{B61BEF0D-F0BB-DE4B-95CE-6DB70DBA9567}" type="datetimeFigureOut">
               <a:rPr lang="en-US" smtClean="0"/>
               <a:pPr/>
-              <a:t>4/19/2020</a:t>
+              <a:t>6/26/2020</a:t>
             </a:fld>
             <a:endParaRPr lang="en-US" dirty="0"/>
           </a:p>
@@ -2384,7 +2394,7 @@
             <a:fld id="{B61BEF0D-F0BB-DE4B-95CE-6DB70DBA9567}" type="datetimeFigureOut">
               <a:rPr lang="en-US" smtClean="0"/>
               <a:pPr/>
-              <a:t>4/19/2020</a:t>
+              <a:t>6/26/2020</a:t>
             </a:fld>
             <a:endParaRPr lang="en-US" dirty="0"/>
           </a:p>
@@ -2646,7 +2656,7 @@
             <a:fld id="{B61BEF0D-F0BB-DE4B-95CE-6DB70DBA9567}" type="datetimeFigureOut">
               <a:rPr lang="en-US" smtClean="0"/>
               <a:pPr/>
-              <a:t>4/19/2020</a:t>
+              <a:t>6/26/2020</a:t>
             </a:fld>
             <a:endParaRPr lang="en-US" dirty="0"/>
           </a:p>
@@ -2908,7 +2918,7 @@
             <a:fld id="{B61BEF0D-F0BB-DE4B-95CE-6DB70DBA9567}" type="datetimeFigureOut">
               <a:rPr lang="en-US" smtClean="0"/>
               <a:pPr/>
-              <a:t>4/19/2020</a:t>
+              <a:t>6/26/2020</a:t>
             </a:fld>
             <a:endParaRPr lang="en-US" dirty="0"/>
           </a:p>
@@ -3237,7 +3247,7 @@
             <a:fld id="{B61BEF0D-F0BB-DE4B-95CE-6DB70DBA9567}" type="datetimeFigureOut">
               <a:rPr lang="en-US" smtClean="0"/>
               <a:pPr/>
-              <a:t>4/19/2020</a:t>
+              <a:t>6/26/2020</a:t>
             </a:fld>
             <a:endParaRPr lang="en-US" dirty="0"/>
           </a:p>
@@ -3560,7 +3570,7 @@
             <a:fld id="{B61BEF0D-F0BB-DE4B-95CE-6DB70DBA9567}" type="datetimeFigureOut">
               <a:rPr lang="en-US" smtClean="0"/>
               <a:pPr/>
-              <a:t>4/19/2020</a:t>
+              <a:t>6/26/2020</a:t>
             </a:fld>
             <a:endParaRPr lang="en-US" dirty="0"/>
           </a:p>
@@ -4017,7 +4027,7 @@
             <a:fld id="{B61BEF0D-F0BB-DE4B-95CE-6DB70DBA9567}" type="datetimeFigureOut">
               <a:rPr lang="en-US" smtClean="0"/>
               <a:pPr/>
-              <a:t>4/19/2020</a:t>
+              <a:t>6/26/2020</a:t>
             </a:fld>
             <a:endParaRPr lang="en-US" dirty="0"/>
           </a:p>
@@ -4227,7 +4237,7 @@
             <a:fld id="{B61BEF0D-F0BB-DE4B-95CE-6DB70DBA9567}" type="datetimeFigureOut">
               <a:rPr lang="en-US" smtClean="0"/>
               <a:pPr/>
-              <a:t>4/19/2020</a:t>
+              <a:t>6/26/2020</a:t>
             </a:fld>
             <a:endParaRPr lang="en-US" dirty="0"/>
           </a:p>
@@ -4404,7 +4414,7 @@
             <a:fld id="{B61BEF0D-F0BB-DE4B-95CE-6DB70DBA9567}" type="datetimeFigureOut">
               <a:rPr lang="en-US" smtClean="0"/>
               <a:pPr/>
-              <a:t>4/19/2020</a:t>
+              <a:t>6/26/2020</a:t>
             </a:fld>
             <a:endParaRPr lang="en-US" dirty="0"/>
           </a:p>
@@ -4737,7 +4747,7 @@
             <a:fld id="{B61BEF0D-F0BB-DE4B-95CE-6DB70DBA9567}" type="datetimeFigureOut">
               <a:rPr lang="en-US" smtClean="0"/>
               <a:pPr/>
-              <a:t>4/19/2020</a:t>
+              <a:t>6/26/2020</a:t>
             </a:fld>
             <a:endParaRPr lang="en-US" dirty="0"/>
           </a:p>
@@ -5082,7 +5092,7 @@
             <a:fld id="{B61BEF0D-F0BB-DE4B-95CE-6DB70DBA9567}" type="datetimeFigureOut">
               <a:rPr lang="en-US" smtClean="0"/>
               <a:pPr/>
-              <a:t>4/19/2020</a:t>
+              <a:t>6/26/2020</a:t>
             </a:fld>
             <a:endParaRPr lang="en-US" dirty="0"/>
           </a:p>
@@ -7199,7 +7209,7 @@
             <a:fld id="{B61BEF0D-F0BB-DE4B-95CE-6DB70DBA9567}" type="datetimeFigureOut">
               <a:rPr lang="en-US" smtClean="0"/>
               <a:pPr/>
-              <a:t>4/19/2020</a:t>
+              <a:t>6/26/2020</a:t>
             </a:fld>
             <a:endParaRPr lang="en-US" dirty="0"/>
           </a:p>
@@ -8342,8 +8352,8 @@
         </p:blipFill>
         <p:spPr>
           <a:xfrm>
-            <a:off x="1521151" y="1432335"/>
-            <a:ext cx="7111121" cy="5333342"/>
+            <a:off x="4125951" y="3385935"/>
+            <a:ext cx="4506321" cy="3379741"/>
           </a:xfrm>
           <a:prstGeom prst="rect">
             <a:avLst/>
@@ -9134,7 +9144,7 @@
           <a:p>
             <a:r>
               <a:rPr lang="zh-CN" altLang="en-US" dirty="0"/>
-              <a:t>我的平板很垃圾，但是我在公司的</a:t>
+              <a:t>平板很垃圾，但是我在公司的</a:t>
             </a:r>
             <a:r>
               <a:rPr lang="en-US" altLang="zh-CN" dirty="0"/>
@@ -9645,9 +9655,24 @@
             <a:pPr marL="0" indent="0">
               <a:buNone/>
             </a:pPr>
+            <a:endParaRPr lang="en-US" altLang="zh-CN" dirty="0"/>
+          </a:p>
+          <a:p>
+            <a:pPr marL="0" indent="0">
+              <a:buNone/>
+            </a:pPr>
             <a:r>
               <a:rPr lang="en-US" altLang="zh-CN" dirty="0"/>
-              <a:t>	win10</a:t>
+              <a:t>	</a:t>
+            </a:r>
+          </a:p>
+          <a:p>
+            <a:pPr marL="0" indent="0">
+              <a:buNone/>
+            </a:pPr>
+            <a:r>
+              <a:rPr lang="en-US" altLang="zh-CN" dirty="0"/>
+              <a:t>    win10</a:t>
             </a:r>
             <a:r>
               <a:rPr lang="zh-CN" altLang="en-US" dirty="0"/>
@@ -9751,110 +9776,41 @@
             </a:pPr>
             <a:r>
               <a:rPr lang="en-US" altLang="zh-CN" dirty="0"/>
-              <a:t>	2</a:t>
-            </a:r>
-            <a:r>
-              <a:rPr lang="zh-CN" altLang="en-US" dirty="0"/>
-              <a:t>、</a:t>
-            </a:r>
-            <a:r>
-              <a:rPr lang="en-US" altLang="zh-CN" dirty="0" err="1"/>
-              <a:t>ssh</a:t>
-            </a:r>
-            <a:endParaRPr lang="en-US" altLang="zh-CN" dirty="0"/>
-          </a:p>
-          <a:p>
-            <a:pPr marL="0" indent="0">
-              <a:buNone/>
-            </a:pPr>
-            <a:r>
-              <a:rPr lang="en-US" altLang="zh-CN" dirty="0"/>
               <a:t>	</a:t>
             </a:r>
-            <a:r>
-              <a:rPr lang="zh-CN" altLang="en-US" dirty="0"/>
-              <a:t>我很想知道，有维护服务器的同学用什么链接到服务器？</a:t>
-            </a:r>
-            <a:endParaRPr lang="en-US" altLang="zh-CN" dirty="0"/>
-          </a:p>
-          <a:p>
-            <a:pPr marL="0" indent="0">
-              <a:buNone/>
-            </a:pPr>
-            <a:r>
-              <a:rPr lang="en-US" altLang="zh-CN" dirty="0"/>
-              <a:t>	</a:t>
-            </a:r>
-            <a:r>
-              <a:rPr lang="en-US" altLang="zh-CN" dirty="0" err="1"/>
-              <a:t>securecrt</a:t>
-            </a:r>
-            <a:r>
-              <a:rPr lang="zh-CN" altLang="en-US" dirty="0"/>
-              <a:t>？ </a:t>
-            </a:r>
-            <a:r>
-              <a:rPr lang="en-US" altLang="zh-CN" dirty="0" err="1"/>
-              <a:t>XShell</a:t>
-            </a:r>
-            <a:r>
-              <a:rPr lang="zh-CN" altLang="en-US" dirty="0"/>
-              <a:t>？</a:t>
-            </a:r>
-            <a:endParaRPr lang="en-US" altLang="zh-CN" dirty="0"/>
-          </a:p>
-          <a:p>
-            <a:pPr marL="0" indent="0">
-              <a:buNone/>
-            </a:pPr>
-            <a:r>
-              <a:rPr lang="en-US" altLang="zh-CN" dirty="0"/>
-              <a:t>	</a:t>
-            </a:r>
-            <a:r>
-              <a:rPr lang="en-US" altLang="zh-CN" dirty="0" err="1"/>
-              <a:t>wsl</a:t>
-            </a:r>
-            <a:r>
-              <a:rPr lang="zh-CN" altLang="en-US" dirty="0"/>
-              <a:t>下可以直接</a:t>
-            </a:r>
-            <a:r>
-              <a:rPr lang="en-US" altLang="zh-CN" dirty="0" err="1"/>
-              <a:t>ssh</a:t>
-            </a:r>
-            <a:r>
-              <a:rPr lang="zh-CN" altLang="en-US" dirty="0"/>
-              <a:t>（其实</a:t>
-            </a:r>
-            <a:r>
-              <a:rPr lang="en-US" altLang="zh-CN" dirty="0"/>
-              <a:t>win10 </a:t>
-            </a:r>
-            <a:r>
-              <a:rPr lang="zh-CN" altLang="en-US" dirty="0"/>
-              <a:t>的</a:t>
-            </a:r>
-            <a:r>
-              <a:rPr lang="en-US" altLang="zh-CN" dirty="0" err="1"/>
-              <a:t>cmd</a:t>
-            </a:r>
-            <a:r>
-              <a:rPr lang="zh-CN" altLang="en-US" dirty="0"/>
-              <a:t>本身就支持</a:t>
-            </a:r>
-            <a:r>
-              <a:rPr lang="en-US" altLang="zh-CN" dirty="0" err="1"/>
-              <a:t>ssh</a:t>
-            </a:r>
-            <a:r>
-              <a:rPr lang="zh-CN" altLang="en-US" dirty="0"/>
-              <a:t>）</a:t>
-            </a:r>
-            <a:endParaRPr lang="en-US" altLang="zh-CN" dirty="0"/>
           </a:p>
         </p:txBody>
       </p:sp>
+      <p:pic>
+        <p:nvPicPr>
+          <p:cNvPr id="5" name="图片 4">
+            <a:extLst>
+              <a:ext uri="{FF2B5EF4-FFF2-40B4-BE49-F238E27FC236}">
+                <a16:creationId xmlns:a16="http://schemas.microsoft.com/office/drawing/2014/main" id="{01D5B80C-C4E4-4D97-A95E-2CB6FEF86779}"/>
+              </a:ext>
+            </a:extLst>
+          </p:cNvPr>
+          <p:cNvPicPr>
+            <a:picLocks noChangeAspect="1"/>
+          </p:cNvPicPr>
+          <p:nvPr/>
+        </p:nvPicPr>
+        <p:blipFill>
+          <a:blip r:embed="rId2"/>
+          <a:stretch>
+            <a:fillRect/>
+          </a:stretch>
+        </p:blipFill>
+        <p:spPr>
+          <a:xfrm>
+            <a:off x="3776501" y="2148944"/>
+            <a:ext cx="1248504" cy="1222966"/>
+          </a:xfrm>
+          <a:prstGeom prst="rect">
+            <a:avLst/>
+          </a:prstGeom>
+        </p:spPr>
+      </p:pic>
     </p:spTree>
     <p:extLst>
       <p:ext uri="{BB962C8B-B14F-4D97-AF65-F5344CB8AC3E}">
@@ -9890,7 +9846,7 @@
           <p:cNvPr id="2" name="标题 1">
             <a:extLst>
               <a:ext uri="{FF2B5EF4-FFF2-40B4-BE49-F238E27FC236}">
-                <a16:creationId xmlns:a16="http://schemas.microsoft.com/office/drawing/2014/main" id="{28092B5E-B2BD-496F-82FD-3B1F5A2636E7}"/>
+                <a16:creationId xmlns:a16="http://schemas.microsoft.com/office/drawing/2014/main" id="{A547992E-6F1C-4B0A-A9E7-B4356D18FBF2}"/>
               </a:ext>
             </a:extLst>
           </p:cNvPr>
@@ -9901,39 +9857,21 @@
             <p:ph type="title"/>
           </p:nvPr>
         </p:nvSpPr>
-        <p:spPr/>
+        <p:spPr>
+          <a:xfrm>
+            <a:off x="1945201" y="624110"/>
+            <a:ext cx="6589199" cy="676184"/>
+          </a:xfrm>
+        </p:spPr>
         <p:txBody>
           <a:bodyPr/>
           <a:lstStyle/>
           <a:p>
-            <a:pPr algn="ctr"/>
-            <a:r>
-              <a:rPr lang="zh-CN" altLang="en-US" dirty="0"/>
-              <a:t>最后说说</a:t>
-            </a:r>
-            <a:r>
-              <a:rPr lang="en-US" altLang="zh-CN" dirty="0"/>
-              <a:t>win10 </a:t>
-            </a:r>
-            <a:r>
-              <a:rPr lang="zh-CN" altLang="en-US" dirty="0"/>
-              <a:t>的一些事</a:t>
-            </a:r>
-            <a:br>
-              <a:rPr lang="en-US" altLang="zh-CN" dirty="0"/>
-            </a:br>
-            <a:r>
-              <a:rPr lang="zh-CN" altLang="en-US" sz="2800" dirty="0"/>
-              <a:t>（针对</a:t>
-            </a:r>
-            <a:r>
-              <a:rPr lang="en-US" altLang="zh-CN" sz="2800" dirty="0"/>
-              <a:t>win10 </a:t>
-            </a:r>
-            <a:r>
-              <a:rPr lang="zh-CN" altLang="en-US" sz="2800" dirty="0"/>
-              <a:t>用户）</a:t>
-            </a:r>
+            <a:r>
+              <a:rPr lang="en-US" altLang="zh-CN" dirty="0" err="1"/>
+              <a:t>ssh</a:t>
+            </a:r>
+            <a:endParaRPr lang="zh-CN" altLang="en-US" dirty="0"/>
           </a:p>
         </p:txBody>
       </p:sp>
@@ -9942,7 +9880,7 @@
           <p:cNvPr id="3" name="内容占位符 2">
             <a:extLst>
               <a:ext uri="{FF2B5EF4-FFF2-40B4-BE49-F238E27FC236}">
-                <a16:creationId xmlns:a16="http://schemas.microsoft.com/office/drawing/2014/main" id="{55D84F35-31AA-4852-9ECD-20EF13AF7ECF}"/>
+                <a16:creationId xmlns:a16="http://schemas.microsoft.com/office/drawing/2014/main" id="{26273412-14DB-4D4A-8CDE-E02E80E7D214}"/>
               </a:ext>
             </a:extLst>
           </p:cNvPr>
@@ -9955,23 +9893,28 @@
         </p:nvSpPr>
         <p:spPr>
           <a:xfrm>
-            <a:off x="1619075" y="2133600"/>
-            <a:ext cx="6915326" cy="3777622"/>
+            <a:off x="1942415" y="1300294"/>
+            <a:ext cx="6591985" cy="4610928"/>
           </a:xfrm>
         </p:spPr>
         <p:txBody>
-          <a:bodyPr>
-            <a:normAutofit/>
-          </a:bodyPr>
+          <a:bodyPr/>
           <a:lstStyle/>
           <a:p>
+            <a:pPr marL="0" indent="0">
+              <a:buNone/>
+            </a:pPr>
             <a:r>
               <a:rPr lang="en-US" altLang="zh-CN" dirty="0"/>
-              <a:t>Win10 </a:t>
-            </a:r>
-            <a:r>
-              <a:rPr lang="zh-CN" altLang="en-US" dirty="0"/>
-              <a:t>在尽一切努力来告诉大家，不要使用第三方软件</a:t>
+              <a:t>2</a:t>
+            </a:r>
+            <a:r>
+              <a:rPr lang="zh-CN" altLang="en-US" dirty="0"/>
+              <a:t>、</a:t>
+            </a:r>
+            <a:r>
+              <a:rPr lang="en-US" altLang="zh-CN" dirty="0" err="1"/>
+              <a:t>ssh</a:t>
             </a:r>
             <a:endParaRPr lang="en-US" altLang="zh-CN" dirty="0"/>
           </a:p>
@@ -9980,225 +9923,203 @@
               <a:buNone/>
             </a:pPr>
             <a:r>
-              <a:rPr lang="en-US" altLang="zh-CN" sz="1600" dirty="0"/>
-              <a:t>	1</a:t>
-            </a:r>
-            <a:r>
-              <a:rPr lang="zh-CN" altLang="en-US" sz="1600" dirty="0"/>
-              <a:t>、不错的输入法</a:t>
-            </a:r>
-            <a:r>
-              <a:rPr lang="en-US" altLang="zh-CN" sz="1600" dirty="0"/>
-              <a:t>——wins10</a:t>
-            </a:r>
-            <a:r>
-              <a:rPr lang="zh-CN" altLang="en-US" sz="1600" dirty="0"/>
-              <a:t>输入法（不好用，但没有广告）</a:t>
-            </a:r>
-            <a:endParaRPr lang="en-US" altLang="zh-CN" sz="1600" dirty="0"/>
+              <a:rPr lang="en-US" altLang="zh-CN" dirty="0"/>
+              <a:t>	</a:t>
+            </a:r>
+            <a:r>
+              <a:rPr lang="zh-CN" altLang="en-US" dirty="0"/>
+              <a:t>我很想知道，有维护服务器的同学用什么链接到服务器？</a:t>
+            </a:r>
+            <a:endParaRPr lang="en-US" altLang="zh-CN" dirty="0"/>
           </a:p>
           <a:p>
             <a:pPr marL="0" indent="0">
               <a:buNone/>
             </a:pPr>
             <a:r>
-              <a:rPr lang="en-US" altLang="zh-CN" sz="1600" dirty="0"/>
-              <a:t>	2</a:t>
-            </a:r>
-            <a:r>
-              <a:rPr lang="zh-CN" altLang="en-US" sz="1600" dirty="0"/>
-              <a:t>、自带的杀毒软件</a:t>
-            </a:r>
-            <a:r>
-              <a:rPr lang="en-US" altLang="zh-CN" sz="1600" dirty="0"/>
-              <a:t>——Windows Defender</a:t>
-            </a:r>
-            <a:r>
-              <a:rPr lang="zh-CN" altLang="en-US" sz="1600" dirty="0"/>
-              <a:t>（会乱拦截、但没广告）</a:t>
-            </a:r>
-            <a:endParaRPr lang="en-US" altLang="zh-CN" sz="1600" dirty="0"/>
+              <a:rPr lang="en-US" altLang="zh-CN" dirty="0"/>
+              <a:t>	</a:t>
+            </a:r>
+            <a:r>
+              <a:rPr lang="en-US" altLang="zh-CN" dirty="0" err="1"/>
+              <a:t>securecrt</a:t>
+            </a:r>
+            <a:r>
+              <a:rPr lang="zh-CN" altLang="en-US" dirty="0"/>
+              <a:t>？</a:t>
+            </a:r>
+            <a:endParaRPr lang="en-US" altLang="zh-CN" dirty="0"/>
           </a:p>
           <a:p>
             <a:pPr marL="0" indent="0">
               <a:buNone/>
             </a:pPr>
-            <a:r>
-              <a:rPr lang="en-US" altLang="zh-CN" sz="1600" dirty="0"/>
-              <a:t>	3</a:t>
-            </a:r>
-            <a:r>
-              <a:rPr lang="zh-CN" altLang="en-US" sz="1600" dirty="0"/>
-              <a:t>、自带的虚拟机</a:t>
-            </a:r>
-            <a:r>
-              <a:rPr lang="en-US" altLang="zh-CN" sz="1600" dirty="0"/>
-              <a:t>——</a:t>
-            </a:r>
-            <a:r>
-              <a:rPr lang="en-US" altLang="zh-CN" sz="1600" dirty="0" err="1"/>
-              <a:t>Hyper-v</a:t>
-            </a:r>
-            <a:r>
-              <a:rPr lang="zh-CN" altLang="en-US" sz="1600" dirty="0"/>
-              <a:t>（虽然不好用，但是免费的）</a:t>
-            </a:r>
-            <a:endParaRPr lang="en-US" altLang="zh-CN" sz="1600" dirty="0"/>
+            <a:endParaRPr lang="en-US" altLang="zh-CN" dirty="0"/>
           </a:p>
           <a:p>
             <a:pPr marL="0" indent="0">
               <a:buNone/>
             </a:pPr>
             <a:r>
-              <a:rPr lang="en-US" altLang="zh-CN" sz="1600" dirty="0"/>
-              <a:t>	4</a:t>
-            </a:r>
-            <a:r>
-              <a:rPr lang="zh-CN" altLang="en-US" sz="1600" dirty="0"/>
-              <a:t>、国内最好的浏览器</a:t>
-            </a:r>
-            <a:r>
-              <a:rPr lang="en-US" altLang="zh-CN" sz="1600" dirty="0"/>
-              <a:t>——Edge</a:t>
-            </a:r>
-            <a:r>
-              <a:rPr lang="zh-CN" altLang="en-US" sz="1600" dirty="0"/>
-              <a:t>（这个不接受反驳）</a:t>
-            </a:r>
-            <a:endParaRPr lang="en-US" altLang="zh-CN" sz="1600" dirty="0"/>
+              <a:rPr lang="en-US" altLang="zh-CN" dirty="0"/>
+              <a:t>	</a:t>
+            </a:r>
           </a:p>
           <a:p>
             <a:pPr marL="0" indent="0">
               <a:buNone/>
             </a:pPr>
             <a:r>
-              <a:rPr lang="en-US" altLang="zh-CN" sz="1600" dirty="0"/>
-              <a:t>	5</a:t>
-            </a:r>
-            <a:r>
-              <a:rPr lang="zh-CN" altLang="en-US" sz="1600" dirty="0"/>
-              <a:t>、最强大的快捷搜索</a:t>
-            </a:r>
-            <a:r>
-              <a:rPr lang="en-US" altLang="zh-CN" sz="1600" dirty="0"/>
-              <a:t>——</a:t>
-            </a:r>
-            <a:r>
-              <a:rPr lang="zh-CN" altLang="en-US" sz="1600" dirty="0"/>
-              <a:t>小娜（以前很好用，现在国内用不了）</a:t>
-            </a:r>
-            <a:endParaRPr lang="en-US" altLang="zh-CN" sz="1600" dirty="0"/>
+              <a:rPr lang="en-US" altLang="zh-CN" dirty="0"/>
+              <a:t>       </a:t>
+            </a:r>
+            <a:r>
+              <a:rPr lang="zh-CN" altLang="en-US" dirty="0"/>
+              <a:t> </a:t>
+            </a:r>
+            <a:r>
+              <a:rPr lang="en-US" altLang="zh-CN" dirty="0" err="1"/>
+              <a:t>XShell</a:t>
+            </a:r>
+            <a:r>
+              <a:rPr lang="zh-CN" altLang="en-US" dirty="0"/>
+              <a:t>？</a:t>
+            </a:r>
+            <a:endParaRPr lang="en-US" altLang="zh-CN" dirty="0"/>
           </a:p>
           <a:p>
             <a:pPr marL="0" indent="0">
               <a:buNone/>
             </a:pPr>
             <a:r>
-              <a:rPr lang="en-US" altLang="zh-CN" sz="1600" dirty="0"/>
-              <a:t>	6</a:t>
-            </a:r>
-            <a:r>
-              <a:rPr lang="zh-CN" altLang="en-US" sz="1600" dirty="0"/>
-              <a:t>、最全的办公软件</a:t>
-            </a:r>
-            <a:r>
-              <a:rPr lang="en-US" altLang="zh-CN" sz="1600" dirty="0"/>
-              <a:t>——office365</a:t>
-            </a:r>
-            <a:r>
-              <a:rPr lang="zh-CN" altLang="en-US" sz="1600" dirty="0"/>
-              <a:t>（付费的，且很贵）</a:t>
-            </a:r>
-            <a:endParaRPr lang="en-US" altLang="zh-CN" sz="1600" dirty="0"/>
+              <a:rPr lang="en-US" altLang="zh-CN" dirty="0"/>
+              <a:t>	</a:t>
+            </a:r>
           </a:p>
           <a:p>
             <a:pPr marL="0" indent="0">
               <a:buNone/>
             </a:pPr>
             <a:r>
-              <a:rPr lang="en-US" altLang="zh-CN" sz="1600" dirty="0"/>
-              <a:t>	7</a:t>
-            </a:r>
-            <a:r>
-              <a:rPr lang="zh-CN" altLang="en-US" sz="1600" dirty="0"/>
-              <a:t>、强大的即时通讯软件</a:t>
-            </a:r>
-            <a:r>
-              <a:rPr lang="en-US" altLang="zh-CN" sz="1600" dirty="0"/>
-              <a:t>——Skype</a:t>
-            </a:r>
-            <a:r>
-              <a:rPr lang="zh-CN" altLang="en-US" sz="1600" dirty="0"/>
-              <a:t>（不好意思，我用的是微信）</a:t>
-            </a:r>
-            <a:endParaRPr lang="en-US" altLang="zh-CN" sz="1600" dirty="0"/>
+              <a:rPr lang="en-US" altLang="zh-CN" dirty="0"/>
+              <a:t>	</a:t>
+            </a:r>
           </a:p>
           <a:p>
             <a:pPr marL="0" indent="0">
               <a:buNone/>
             </a:pPr>
             <a:r>
-              <a:rPr lang="en-US" altLang="zh-CN" sz="1600" dirty="0"/>
-              <a:t>	8</a:t>
-            </a:r>
-            <a:r>
-              <a:rPr lang="zh-CN" altLang="en-US" sz="1600" dirty="0"/>
-              <a:t>、还有邮件</a:t>
-            </a:r>
-            <a:r>
-              <a:rPr lang="en-US" altLang="zh-CN" sz="1600" dirty="0"/>
-              <a:t>——Hotmail</a:t>
-            </a:r>
-            <a:r>
-              <a:rPr lang="zh-CN" altLang="en-US" sz="1600" dirty="0"/>
-              <a:t>（额</a:t>
-            </a:r>
-            <a:r>
-              <a:rPr lang="en-US" altLang="zh-CN" sz="1600" dirty="0"/>
-              <a:t>…</a:t>
-            </a:r>
-            <a:r>
-              <a:rPr lang="zh-CN" altLang="en-US" sz="1600" dirty="0"/>
-              <a:t>我用的还是腾讯家的）</a:t>
-            </a:r>
-            <a:endParaRPr lang="en-US" altLang="zh-CN" sz="1600" dirty="0"/>
-          </a:p>
-          <a:p>
-            <a:pPr marL="0" indent="0">
-              <a:buNone/>
-            </a:pPr>
-            <a:r>
-              <a:rPr lang="en-US" altLang="zh-CN" sz="1600" dirty="0"/>
-              <a:t>	9</a:t>
-            </a:r>
-            <a:r>
-              <a:rPr lang="zh-CN" altLang="en-US" sz="1600" dirty="0"/>
-              <a:t>、最受欢迎的编程软件</a:t>
-            </a:r>
-            <a:r>
-              <a:rPr lang="en-US" altLang="zh-CN" sz="1600" dirty="0"/>
-              <a:t>——VS code</a:t>
-            </a:r>
-            <a:r>
-              <a:rPr lang="zh-CN" altLang="en-US" sz="1600" dirty="0"/>
-              <a:t>（但是没有</a:t>
-            </a:r>
-            <a:r>
-              <a:rPr lang="en-US" altLang="zh-CN" sz="1600" dirty="0"/>
-              <a:t>vim</a:t>
-            </a:r>
-            <a:r>
-              <a:rPr lang="zh-CN" altLang="en-US" sz="1600" dirty="0"/>
-              <a:t>强大）</a:t>
-            </a:r>
-            <a:endParaRPr lang="en-US" altLang="zh-CN" sz="1600" dirty="0"/>
+              <a:rPr lang="en-US" altLang="zh-CN" dirty="0"/>
+              <a:t>	</a:t>
+            </a:r>
+            <a:r>
+              <a:rPr lang="zh-CN" altLang="en-US" dirty="0"/>
+              <a:t>但是，我们有没有想过，为甚要用第三方软件？其实，早在</a:t>
+            </a:r>
+            <a:r>
+              <a:rPr lang="en-US" altLang="zh-CN" dirty="0" err="1"/>
+              <a:t>cmd</a:t>
+            </a:r>
+            <a:r>
+              <a:rPr lang="zh-CN" altLang="en-US" dirty="0"/>
+              <a:t>下，就已经支持</a:t>
+            </a:r>
+            <a:r>
+              <a:rPr lang="en-US" altLang="zh-CN" dirty="0" err="1"/>
+              <a:t>ssh</a:t>
+            </a:r>
+            <a:r>
+              <a:rPr lang="en-US" altLang="zh-CN" dirty="0"/>
+              <a:t> </a:t>
+            </a:r>
+            <a:r>
+              <a:rPr lang="zh-CN" altLang="en-US" dirty="0"/>
+              <a:t>，如果在</a:t>
+            </a:r>
+            <a:r>
+              <a:rPr lang="en-US" altLang="zh-CN" dirty="0" err="1"/>
+              <a:t>wsl</a:t>
+            </a:r>
+            <a:r>
+              <a:rPr lang="zh-CN" altLang="en-US" dirty="0"/>
+              <a:t>下的话，可以很好的结合</a:t>
+            </a:r>
+            <a:r>
+              <a:rPr lang="en-US" altLang="zh-CN" dirty="0" err="1"/>
+              <a:t>tmux</a:t>
+            </a:r>
+            <a:r>
+              <a:rPr lang="zh-CN" altLang="en-US" dirty="0"/>
+              <a:t>来进行远程管理</a:t>
+            </a:r>
           </a:p>
         </p:txBody>
       </p:sp>
+      <p:pic>
+        <p:nvPicPr>
+          <p:cNvPr id="5" name="图片 4">
+            <a:extLst>
+              <a:ext uri="{FF2B5EF4-FFF2-40B4-BE49-F238E27FC236}">
+                <a16:creationId xmlns:a16="http://schemas.microsoft.com/office/drawing/2014/main" id="{0CD635C3-5757-4C67-A5B8-D2DF518EBAB1}"/>
+              </a:ext>
+            </a:extLst>
+          </p:cNvPr>
+          <p:cNvPicPr>
+            <a:picLocks noChangeAspect="1"/>
+          </p:cNvPicPr>
+          <p:nvPr/>
+        </p:nvPicPr>
+        <p:blipFill>
+          <a:blip r:embed="rId2"/>
+          <a:stretch>
+            <a:fillRect/>
+          </a:stretch>
+        </p:blipFill>
+        <p:spPr>
+          <a:xfrm>
+            <a:off x="4038526" y="2298197"/>
+            <a:ext cx="533474" cy="533474"/>
+          </a:xfrm>
+          <a:prstGeom prst="rect">
+            <a:avLst/>
+          </a:prstGeom>
+        </p:spPr>
+      </p:pic>
+      <p:pic>
+        <p:nvPicPr>
+          <p:cNvPr id="7" name="图片 6">
+            <a:extLst>
+              <a:ext uri="{FF2B5EF4-FFF2-40B4-BE49-F238E27FC236}">
+                <a16:creationId xmlns:a16="http://schemas.microsoft.com/office/drawing/2014/main" id="{0D771069-EB71-4561-B65C-36B21112BB94}"/>
+              </a:ext>
+            </a:extLst>
+          </p:cNvPr>
+          <p:cNvPicPr>
+            <a:picLocks noChangeAspect="1"/>
+          </p:cNvPicPr>
+          <p:nvPr/>
+        </p:nvPicPr>
+        <p:blipFill>
+          <a:blip r:embed="rId3"/>
+          <a:stretch>
+            <a:fillRect/>
+          </a:stretch>
+        </p:blipFill>
+        <p:spPr>
+          <a:xfrm>
+            <a:off x="3895913" y="3319943"/>
+            <a:ext cx="856988" cy="856988"/>
+          </a:xfrm>
+          <a:prstGeom prst="rect">
+            <a:avLst/>
+          </a:prstGeom>
+        </p:spPr>
+      </p:pic>
     </p:spTree>
     <p:extLst>
       <p:ext uri="{BB962C8B-B14F-4D97-AF65-F5344CB8AC3E}">
-        <p14:creationId xmlns:p14="http://schemas.microsoft.com/office/powerpoint/2010/main" val="2281307621"/>
+        <p14:creationId xmlns:p14="http://schemas.microsoft.com/office/powerpoint/2010/main" val="2869037973"/>
       </p:ext>
     </p:extLst>
   </p:cSld>
@@ -10230,7 +10151,604 @@
           <p:cNvPr id="2" name="标题 1">
             <a:extLst>
               <a:ext uri="{FF2B5EF4-FFF2-40B4-BE49-F238E27FC236}">
-                <a16:creationId xmlns:a16="http://schemas.microsoft.com/office/drawing/2014/main" id="{E8965004-8B2E-494A-9420-944E0D0FD3B8}"/>
+                <a16:creationId xmlns:a16="http://schemas.microsoft.com/office/drawing/2014/main" id="{A0CD74AE-212D-47B0-8712-97E15F919A4E}"/>
+              </a:ext>
+            </a:extLst>
+          </p:cNvPr>
+          <p:cNvSpPr>
+            <a:spLocks noGrp="1"/>
+          </p:cNvSpPr>
+          <p:nvPr>
+            <p:ph type="title"/>
+          </p:nvPr>
+        </p:nvSpPr>
+        <p:spPr>
+          <a:xfrm>
+            <a:off x="1243361" y="334537"/>
+            <a:ext cx="7291039" cy="986883"/>
+          </a:xfrm>
+        </p:spPr>
+        <p:txBody>
+          <a:bodyPr>
+            <a:normAutofit fontScale="90000"/>
+          </a:bodyPr>
+          <a:lstStyle/>
+          <a:p>
+            <a:r>
+              <a:rPr lang="zh-CN" altLang="en-US" dirty="0"/>
+              <a:t>废话不说，让我们从零开始安装和配置</a:t>
+            </a:r>
+            <a:r>
+              <a:rPr lang="en-US" altLang="zh-CN" dirty="0" err="1"/>
+              <a:t>wsl</a:t>
+            </a:r>
+            <a:endParaRPr lang="zh-CN" altLang="en-US" dirty="0"/>
+          </a:p>
+        </p:txBody>
+      </p:sp>
+      <p:sp>
+        <p:nvSpPr>
+          <p:cNvPr id="3" name="内容占位符 2">
+            <a:extLst>
+              <a:ext uri="{FF2B5EF4-FFF2-40B4-BE49-F238E27FC236}">
+                <a16:creationId xmlns:a16="http://schemas.microsoft.com/office/drawing/2014/main" id="{19E063D7-9948-4AB6-BA0B-FB72A66AD23A}"/>
+              </a:ext>
+            </a:extLst>
+          </p:cNvPr>
+          <p:cNvSpPr>
+            <a:spLocks noGrp="1"/>
+          </p:cNvSpPr>
+          <p:nvPr>
+            <p:ph idx="1"/>
+          </p:nvPr>
+        </p:nvSpPr>
+        <p:spPr>
+          <a:xfrm>
+            <a:off x="1243361" y="1460811"/>
+            <a:ext cx="7636727" cy="1053789"/>
+          </a:xfrm>
+        </p:spPr>
+        <p:txBody>
+          <a:bodyPr/>
+          <a:lstStyle/>
+          <a:p>
+            <a:r>
+              <a:rPr lang="zh-CN" altLang="en-US" b="1" dirty="0"/>
+              <a:t>安装，开启子系统支持</a:t>
+            </a:r>
+            <a:endParaRPr lang="en-US" altLang="zh-CN" b="1" dirty="0"/>
+          </a:p>
+          <a:p>
+            <a:pPr marL="0" indent="0">
+              <a:buNone/>
+            </a:pPr>
+            <a:r>
+              <a:rPr lang="en-US" altLang="zh-CN" dirty="0"/>
+              <a:t>1</a:t>
+            </a:r>
+            <a:r>
+              <a:rPr lang="zh-CN" altLang="en-US" dirty="0"/>
+              <a:t>、首先得确认我们得系统是</a:t>
+            </a:r>
+            <a:r>
+              <a:rPr lang="en-US" altLang="zh-CN" dirty="0"/>
+              <a:t>win10 v1703</a:t>
+            </a:r>
+            <a:r>
+              <a:rPr lang="zh-CN" altLang="en-US" dirty="0"/>
+              <a:t>以上得版本（最好是</a:t>
+            </a:r>
+            <a:r>
+              <a:rPr lang="en-US" altLang="zh-CN" dirty="0"/>
+              <a:t>1903</a:t>
+            </a:r>
+            <a:r>
+              <a:rPr lang="zh-CN" altLang="en-US" dirty="0"/>
+              <a:t>以上得版本）， 在“</a:t>
+            </a:r>
+            <a:r>
+              <a:rPr lang="en-US" altLang="zh-CN" dirty="0"/>
+              <a:t>windows </a:t>
+            </a:r>
+            <a:r>
+              <a:rPr lang="zh-CN" altLang="en-US" dirty="0"/>
+              <a:t>规格”中可以看到版本信息</a:t>
+            </a:r>
+            <a:endParaRPr lang="en-US" altLang="zh-CN" dirty="0"/>
+          </a:p>
+          <a:p>
+            <a:endParaRPr lang="zh-CN" altLang="en-US" dirty="0"/>
+          </a:p>
+        </p:txBody>
+      </p:sp>
+      <p:pic>
+        <p:nvPicPr>
+          <p:cNvPr id="4" name="图片 3">
+            <a:extLst>
+              <a:ext uri="{FF2B5EF4-FFF2-40B4-BE49-F238E27FC236}">
+                <a16:creationId xmlns:a16="http://schemas.microsoft.com/office/drawing/2014/main" id="{5C6FF9A4-CBFE-4412-B5BD-2764AE31A875}"/>
+              </a:ext>
+            </a:extLst>
+          </p:cNvPr>
+          <p:cNvPicPr>
+            <a:picLocks noChangeAspect="1"/>
+          </p:cNvPicPr>
+          <p:nvPr/>
+        </p:nvPicPr>
+        <p:blipFill>
+          <a:blip r:embed="rId2"/>
+          <a:stretch>
+            <a:fillRect/>
+          </a:stretch>
+        </p:blipFill>
+        <p:spPr>
+          <a:xfrm>
+            <a:off x="1405056" y="2707584"/>
+            <a:ext cx="3529360" cy="1771476"/>
+          </a:xfrm>
+          <a:prstGeom prst="rect">
+            <a:avLst/>
+          </a:prstGeom>
+        </p:spPr>
+      </p:pic>
+      <p:sp>
+        <p:nvSpPr>
+          <p:cNvPr id="7" name="文本框 6">
+            <a:extLst>
+              <a:ext uri="{FF2B5EF4-FFF2-40B4-BE49-F238E27FC236}">
+                <a16:creationId xmlns:a16="http://schemas.microsoft.com/office/drawing/2014/main" id="{D1651EF7-33BB-403E-9C4C-0EDCFB751FA1}"/>
+              </a:ext>
+            </a:extLst>
+          </p:cNvPr>
+          <p:cNvSpPr txBox="1"/>
+          <p:nvPr/>
+        </p:nvSpPr>
+        <p:spPr>
+          <a:xfrm>
+            <a:off x="1405056" y="4962293"/>
+            <a:ext cx="4616603" cy="923330"/>
+          </a:xfrm>
+          <a:prstGeom prst="rect">
+            <a:avLst/>
+          </a:prstGeom>
+          <a:noFill/>
+        </p:spPr>
+        <p:txBody>
+          <a:bodyPr wrap="square" rtlCol="0">
+            <a:spAutoFit/>
+          </a:bodyPr>
+          <a:lstStyle/>
+          <a:p>
+            <a:r>
+              <a:rPr lang="en-US" altLang="zh-CN" dirty="0"/>
+              <a:t>2</a:t>
+            </a:r>
+            <a:r>
+              <a:rPr lang="zh-CN" altLang="en-US" dirty="0"/>
+              <a:t>、打开子系统支持。在“</a:t>
+            </a:r>
+            <a:r>
+              <a:rPr lang="en-US" altLang="zh-CN" dirty="0"/>
+              <a:t>windows</a:t>
+            </a:r>
+            <a:r>
+              <a:rPr lang="zh-CN" altLang="en-US" dirty="0"/>
+              <a:t>功能中”勾选上“适用于</a:t>
+            </a:r>
+            <a:r>
+              <a:rPr lang="en-US" altLang="zh-CN" dirty="0" err="1"/>
+              <a:t>linux</a:t>
+            </a:r>
+            <a:r>
+              <a:rPr lang="zh-CN" altLang="en-US" dirty="0"/>
+              <a:t>的</a:t>
+            </a:r>
+            <a:r>
+              <a:rPr lang="en-US" altLang="zh-CN" dirty="0"/>
+              <a:t>windows</a:t>
+            </a:r>
+            <a:r>
+              <a:rPr lang="zh-CN" altLang="en-US" dirty="0"/>
+              <a:t>子系统”，然后会重启计算机</a:t>
+            </a:r>
+          </a:p>
+        </p:txBody>
+      </p:sp>
+      <p:pic>
+        <p:nvPicPr>
+          <p:cNvPr id="8" name="图片 7">
+            <a:extLst>
+              <a:ext uri="{FF2B5EF4-FFF2-40B4-BE49-F238E27FC236}">
+                <a16:creationId xmlns:a16="http://schemas.microsoft.com/office/drawing/2014/main" id="{59F79805-44F6-4E80-82FB-3DD7363BFC8C}"/>
+              </a:ext>
+            </a:extLst>
+          </p:cNvPr>
+          <p:cNvPicPr>
+            <a:picLocks noChangeAspect="1"/>
+          </p:cNvPicPr>
+          <p:nvPr/>
+        </p:nvPicPr>
+        <p:blipFill>
+          <a:blip r:embed="rId3"/>
+          <a:stretch>
+            <a:fillRect/>
+          </a:stretch>
+        </p:blipFill>
+        <p:spPr>
+          <a:xfrm>
+            <a:off x="6024099" y="3987974"/>
+            <a:ext cx="2855989" cy="2664998"/>
+          </a:xfrm>
+          <a:prstGeom prst="rect">
+            <a:avLst/>
+          </a:prstGeom>
+        </p:spPr>
+      </p:pic>
+    </p:spTree>
+    <p:extLst>
+      <p:ext uri="{BB962C8B-B14F-4D97-AF65-F5344CB8AC3E}">
+        <p14:creationId xmlns:p14="http://schemas.microsoft.com/office/powerpoint/2010/main" val="1163580835"/>
+      </p:ext>
+    </p:extLst>
+  </p:cSld>
+  <p:clrMapOvr>
+    <a:masterClrMapping/>
+  </p:clrMapOvr>
+</p:sld>
+</file>
+
+<file path=ppt/slides/slide17.xml><?xml version="1.0" encoding="utf-8"?>
+<p:sld xmlns:a="http://schemas.openxmlformats.org/drawingml/2006/main" xmlns:r="http://schemas.openxmlformats.org/officeDocument/2006/relationships" xmlns:p="http://schemas.openxmlformats.org/presentationml/2006/main">
+  <p:cSld>
+    <p:spTree>
+      <p:nvGrpSpPr>
+        <p:cNvPr id="1" name=""/>
+        <p:cNvGrpSpPr/>
+        <p:nvPr/>
+      </p:nvGrpSpPr>
+      <p:grpSpPr>
+        <a:xfrm>
+          <a:off x="0" y="0"/>
+          <a:ext cx="0" cy="0"/>
+          <a:chOff x="0" y="0"/>
+          <a:chExt cx="0" cy="0"/>
+        </a:xfrm>
+      </p:grpSpPr>
+      <p:sp>
+        <p:nvSpPr>
+          <p:cNvPr id="3" name="内容占位符 2">
+            <a:extLst>
+              <a:ext uri="{FF2B5EF4-FFF2-40B4-BE49-F238E27FC236}">
+                <a16:creationId xmlns:a16="http://schemas.microsoft.com/office/drawing/2014/main" id="{20E34304-7C0F-4B16-92E5-71137D927BED}"/>
+              </a:ext>
+            </a:extLst>
+          </p:cNvPr>
+          <p:cNvSpPr>
+            <a:spLocks noGrp="1"/>
+          </p:cNvSpPr>
+          <p:nvPr>
+            <p:ph idx="1"/>
+          </p:nvPr>
+        </p:nvSpPr>
+        <p:spPr>
+          <a:xfrm>
+            <a:off x="1544443" y="551985"/>
+            <a:ext cx="7253869" cy="5787483"/>
+          </a:xfrm>
+        </p:spPr>
+        <p:txBody>
+          <a:bodyPr/>
+          <a:lstStyle/>
+          <a:p>
+            <a:r>
+              <a:rPr lang="en-US" altLang="zh-CN" dirty="0"/>
+              <a:t>2</a:t>
+            </a:r>
+            <a:r>
+              <a:rPr lang="zh-CN" altLang="en-US" dirty="0"/>
+              <a:t>、安装</a:t>
+            </a:r>
+            <a:r>
+              <a:rPr lang="en-US" altLang="zh-CN" dirty="0" err="1"/>
+              <a:t>linux</a:t>
+            </a:r>
+            <a:r>
+              <a:rPr lang="zh-CN" altLang="en-US" dirty="0"/>
+              <a:t>发行版本</a:t>
+            </a:r>
+            <a:endParaRPr lang="en-US" altLang="zh-CN" dirty="0"/>
+          </a:p>
+          <a:p>
+            <a:pPr marL="0" indent="0">
+              <a:buNone/>
+            </a:pPr>
+            <a:r>
+              <a:rPr lang="zh-CN" altLang="en-US" dirty="0"/>
+              <a:t>这里推荐安装</a:t>
+            </a:r>
+            <a:r>
+              <a:rPr lang="en-US" altLang="zh-CN" dirty="0"/>
+              <a:t>ubuntu v20.04Ltc</a:t>
+            </a:r>
+            <a:r>
+              <a:rPr lang="zh-CN" altLang="en-US" dirty="0"/>
+              <a:t>版本，打开</a:t>
+            </a:r>
+            <a:r>
+              <a:rPr lang="en-US" altLang="zh-CN" dirty="0"/>
+              <a:t>”app store”</a:t>
+            </a:r>
+            <a:r>
+              <a:rPr lang="zh-CN" altLang="en-US" dirty="0"/>
+              <a:t>， 搜索</a:t>
+            </a:r>
+            <a:r>
+              <a:rPr lang="en-US" altLang="zh-CN" dirty="0"/>
+              <a:t>”ubuntu”, </a:t>
+            </a:r>
+            <a:r>
+              <a:rPr lang="zh-CN" altLang="en-US" dirty="0"/>
+              <a:t>然后点击安装即可</a:t>
+            </a:r>
+            <a:endParaRPr lang="en-US" altLang="zh-CN" dirty="0"/>
+          </a:p>
+          <a:p>
+            <a:pPr marL="0" indent="0">
+              <a:buNone/>
+            </a:pPr>
+            <a:endParaRPr lang="zh-CN" altLang="en-US" dirty="0"/>
+          </a:p>
+        </p:txBody>
+      </p:sp>
+      <p:pic>
+        <p:nvPicPr>
+          <p:cNvPr id="4" name="图片 3">
+            <a:extLst>
+              <a:ext uri="{FF2B5EF4-FFF2-40B4-BE49-F238E27FC236}">
+                <a16:creationId xmlns:a16="http://schemas.microsoft.com/office/drawing/2014/main" id="{151138FB-B53C-44F6-AB09-6B3EF3200E46}"/>
+              </a:ext>
+            </a:extLst>
+          </p:cNvPr>
+          <p:cNvPicPr>
+            <a:picLocks noChangeAspect="1"/>
+          </p:cNvPicPr>
+          <p:nvPr/>
+        </p:nvPicPr>
+        <p:blipFill>
+          <a:blip r:embed="rId2"/>
+          <a:stretch>
+            <a:fillRect/>
+          </a:stretch>
+        </p:blipFill>
+        <p:spPr>
+          <a:xfrm>
+            <a:off x="1616927" y="1800936"/>
+            <a:ext cx="2409841" cy="1776296"/>
+          </a:xfrm>
+          <a:prstGeom prst="rect">
+            <a:avLst/>
+          </a:prstGeom>
+        </p:spPr>
+      </p:pic>
+      <p:sp>
+        <p:nvSpPr>
+          <p:cNvPr id="5" name="文本框 4">
+            <a:extLst>
+              <a:ext uri="{FF2B5EF4-FFF2-40B4-BE49-F238E27FC236}">
+                <a16:creationId xmlns:a16="http://schemas.microsoft.com/office/drawing/2014/main" id="{B699DA95-0680-40E8-851B-4E89BAF53F0C}"/>
+              </a:ext>
+            </a:extLst>
+          </p:cNvPr>
+          <p:cNvSpPr txBox="1"/>
+          <p:nvPr/>
+        </p:nvSpPr>
+        <p:spPr>
+          <a:xfrm>
+            <a:off x="1501779" y="3724715"/>
+            <a:ext cx="6847091" cy="923330"/>
+          </a:xfrm>
+          <a:prstGeom prst="rect">
+            <a:avLst/>
+          </a:prstGeom>
+          <a:noFill/>
+        </p:spPr>
+        <p:txBody>
+          <a:bodyPr wrap="square" rtlCol="0">
+            <a:spAutoFit/>
+          </a:bodyPr>
+          <a:lstStyle/>
+          <a:p>
+            <a:r>
+              <a:rPr lang="zh-CN" altLang="en-US" dirty="0"/>
+              <a:t>安装完后，打开</a:t>
+            </a:r>
+            <a:r>
+              <a:rPr lang="en-US" altLang="zh-CN" dirty="0"/>
+              <a:t>ubuntu, </a:t>
+            </a:r>
+            <a:r>
+              <a:rPr lang="zh-CN" altLang="en-US" dirty="0"/>
+              <a:t>然后会初始化， 之后会要求设置用户名和密码， 密码刚开始最好简单点，因为之后会常用到</a:t>
+            </a:r>
+            <a:r>
+              <a:rPr lang="en-US" altLang="zh-CN" dirty="0" err="1"/>
+              <a:t>sudo</a:t>
+            </a:r>
+            <a:r>
+              <a:rPr lang="zh-CN" altLang="en-US" dirty="0"/>
+              <a:t>命令，而这个命令的执行是需要密码的；至此，</a:t>
+            </a:r>
+            <a:r>
+              <a:rPr lang="en-US" altLang="zh-CN" dirty="0"/>
+              <a:t>ubuntu </a:t>
+            </a:r>
+            <a:r>
+              <a:rPr lang="zh-CN" altLang="en-US" dirty="0"/>
+              <a:t>就安装完了</a:t>
+            </a:r>
+            <a:endParaRPr lang="en-US" altLang="zh-CN" dirty="0"/>
+          </a:p>
+        </p:txBody>
+      </p:sp>
+      <p:pic>
+        <p:nvPicPr>
+          <p:cNvPr id="6" name="图片 5">
+            <a:extLst>
+              <a:ext uri="{FF2B5EF4-FFF2-40B4-BE49-F238E27FC236}">
+                <a16:creationId xmlns:a16="http://schemas.microsoft.com/office/drawing/2014/main" id="{678A9084-45AA-4164-A278-4F6AF1A9F922}"/>
+              </a:ext>
+            </a:extLst>
+          </p:cNvPr>
+          <p:cNvPicPr>
+            <a:picLocks noChangeAspect="1"/>
+          </p:cNvPicPr>
+          <p:nvPr/>
+        </p:nvPicPr>
+        <p:blipFill>
+          <a:blip r:embed="rId3"/>
+          <a:stretch>
+            <a:fillRect/>
+          </a:stretch>
+        </p:blipFill>
+        <p:spPr>
+          <a:xfrm>
+            <a:off x="1544443" y="4726423"/>
+            <a:ext cx="7479527" cy="2023539"/>
+          </a:xfrm>
+          <a:prstGeom prst="rect">
+            <a:avLst/>
+          </a:prstGeom>
+        </p:spPr>
+      </p:pic>
+    </p:spTree>
+    <p:extLst>
+      <p:ext uri="{BB962C8B-B14F-4D97-AF65-F5344CB8AC3E}">
+        <p14:creationId xmlns:p14="http://schemas.microsoft.com/office/powerpoint/2010/main" val="1507880761"/>
+      </p:ext>
+    </p:extLst>
+  </p:cSld>
+  <p:clrMapOvr>
+    <a:masterClrMapping/>
+  </p:clrMapOvr>
+</p:sld>
+</file>
+
+<file path=ppt/slides/slide18.xml><?xml version="1.0" encoding="utf-8"?>
+<p:sld xmlns:a="http://schemas.openxmlformats.org/drawingml/2006/main" xmlns:r="http://schemas.openxmlformats.org/officeDocument/2006/relationships" xmlns:p="http://schemas.openxmlformats.org/presentationml/2006/main">
+  <p:cSld>
+    <p:spTree>
+      <p:nvGrpSpPr>
+        <p:cNvPr id="1" name=""/>
+        <p:cNvGrpSpPr/>
+        <p:nvPr/>
+      </p:nvGrpSpPr>
+      <p:grpSpPr>
+        <a:xfrm>
+          <a:off x="0" y="0"/>
+          <a:ext cx="0" cy="0"/>
+          <a:chOff x="0" y="0"/>
+          <a:chExt cx="0" cy="0"/>
+        </a:xfrm>
+      </p:grpSpPr>
+      <p:sp>
+        <p:nvSpPr>
+          <p:cNvPr id="2" name="标题 1">
+            <a:extLst>
+              <a:ext uri="{FF2B5EF4-FFF2-40B4-BE49-F238E27FC236}">
+                <a16:creationId xmlns:a16="http://schemas.microsoft.com/office/drawing/2014/main" id="{18DEDC1A-09EB-4A21-A53C-DA87EF8D92F8}"/>
+              </a:ext>
+            </a:extLst>
+          </p:cNvPr>
+          <p:cNvSpPr>
+            <a:spLocks noGrp="1"/>
+          </p:cNvSpPr>
+          <p:nvPr>
+            <p:ph type="title"/>
+          </p:nvPr>
+        </p:nvSpPr>
+        <p:spPr>
+          <a:xfrm>
+            <a:off x="1945201" y="624110"/>
+            <a:ext cx="6589199" cy="761689"/>
+          </a:xfrm>
+        </p:spPr>
+        <p:txBody>
+          <a:bodyPr/>
+          <a:lstStyle/>
+          <a:p>
+            <a:r>
+              <a:rPr lang="zh-CN" altLang="en-US" dirty="0"/>
+              <a:t>简单配置</a:t>
+            </a:r>
+            <a:r>
+              <a:rPr lang="en-US" altLang="zh-CN"/>
+              <a:t>wsl</a:t>
+            </a:r>
+            <a:endParaRPr lang="zh-CN" altLang="en-US" dirty="0"/>
+          </a:p>
+        </p:txBody>
+      </p:sp>
+      <p:sp>
+        <p:nvSpPr>
+          <p:cNvPr id="3" name="内容占位符 2">
+            <a:extLst>
+              <a:ext uri="{FF2B5EF4-FFF2-40B4-BE49-F238E27FC236}">
+                <a16:creationId xmlns:a16="http://schemas.microsoft.com/office/drawing/2014/main" id="{A7FD9007-356C-4F99-A618-2DDECA62B484}"/>
+              </a:ext>
+            </a:extLst>
+          </p:cNvPr>
+          <p:cNvSpPr>
+            <a:spLocks noGrp="1"/>
+          </p:cNvSpPr>
+          <p:nvPr>
+            <p:ph idx="1"/>
+          </p:nvPr>
+        </p:nvSpPr>
+        <p:spPr/>
+        <p:txBody>
+          <a:bodyPr/>
+          <a:lstStyle/>
+          <a:p>
+            <a:endParaRPr lang="zh-CN" altLang="en-US" dirty="0"/>
+          </a:p>
+        </p:txBody>
+      </p:sp>
+    </p:spTree>
+    <p:extLst>
+      <p:ext uri="{BB962C8B-B14F-4D97-AF65-F5344CB8AC3E}">
+        <p14:creationId xmlns:p14="http://schemas.microsoft.com/office/powerpoint/2010/main" val="2056302965"/>
+      </p:ext>
+    </p:extLst>
+  </p:cSld>
+  <p:clrMapOvr>
+    <a:masterClrMapping/>
+  </p:clrMapOvr>
+</p:sld>
+</file>
+
+<file path=ppt/slides/slide19.xml><?xml version="1.0" encoding="utf-8"?>
+<p:sld xmlns:a="http://schemas.openxmlformats.org/drawingml/2006/main" xmlns:r="http://schemas.openxmlformats.org/officeDocument/2006/relationships" xmlns:p="http://schemas.openxmlformats.org/presentationml/2006/main">
+  <p:cSld>
+    <p:spTree>
+      <p:nvGrpSpPr>
+        <p:cNvPr id="1" name=""/>
+        <p:cNvGrpSpPr/>
+        <p:nvPr/>
+      </p:nvGrpSpPr>
+      <p:grpSpPr>
+        <a:xfrm>
+          <a:off x="0" y="0"/>
+          <a:ext cx="0" cy="0"/>
+          <a:chOff x="0" y="0"/>
+          <a:chExt cx="0" cy="0"/>
+        </a:xfrm>
+      </p:grpSpPr>
+      <p:sp>
+        <p:nvSpPr>
+          <p:cNvPr id="2" name="标题 1">
+            <a:extLst>
+              <a:ext uri="{FF2B5EF4-FFF2-40B4-BE49-F238E27FC236}">
+                <a16:creationId xmlns:a16="http://schemas.microsoft.com/office/drawing/2014/main" id="{78E55C00-1DFC-45EC-A646-18C2C88D37B9}"/>
               </a:ext>
             </a:extLst>
           </p:cNvPr>
@@ -10243,12 +10761,33 @@
         </p:nvSpPr>
         <p:spPr/>
         <p:txBody>
-          <a:bodyPr/>
+          <a:bodyPr>
+            <a:normAutofit/>
+          </a:bodyPr>
           <a:lstStyle/>
           <a:p>
             <a:r>
               <a:rPr lang="zh-CN" altLang="en-US" dirty="0"/>
-              <a:t>没了</a:t>
+              <a:t>介绍</a:t>
+            </a:r>
+            <a:r>
+              <a:rPr lang="en-US" altLang="zh-CN" dirty="0" err="1"/>
+              <a:t>linux</a:t>
+            </a:r>
+            <a:r>
+              <a:rPr lang="zh-CN" altLang="en-US" dirty="0"/>
+              <a:t>下方便于开发的软件</a:t>
+            </a:r>
+            <a:br>
+              <a:rPr lang="en-US" altLang="zh-CN" dirty="0"/>
+            </a:br>
+            <a:r>
+              <a:rPr lang="en-US" altLang="zh-CN" dirty="0" err="1"/>
+              <a:t>wsl</a:t>
+            </a:r>
+            <a:r>
+              <a:rPr lang="zh-CN" altLang="en-US" dirty="0"/>
+              <a:t>同样适用</a:t>
             </a:r>
           </a:p>
         </p:txBody>
@@ -10258,7 +10797,7 @@
           <p:cNvPr id="3" name="内容占位符 2">
             <a:extLst>
               <a:ext uri="{FF2B5EF4-FFF2-40B4-BE49-F238E27FC236}">
-                <a16:creationId xmlns:a16="http://schemas.microsoft.com/office/drawing/2014/main" id="{D154F9F8-C835-41B3-8608-A483089B5365}"/>
+                <a16:creationId xmlns:a16="http://schemas.microsoft.com/office/drawing/2014/main" id="{FD59F37F-0530-4FD6-89EB-7DEDED082863}"/>
               </a:ext>
             </a:extLst>
           </p:cNvPr>
@@ -10269,32 +10808,119 @@
             <p:ph idx="1"/>
           </p:nvPr>
         </p:nvSpPr>
-        <p:spPr>
-          <a:xfrm>
-            <a:off x="1942415" y="2133600"/>
-            <a:ext cx="6591985" cy="2748793"/>
-          </a:xfrm>
-        </p:spPr>
+        <p:spPr/>
         <p:txBody>
-          <a:bodyPr>
-            <a:normAutofit/>
-          </a:bodyPr>
+          <a:bodyPr/>
           <a:lstStyle/>
           <a:p>
-            <a:pPr marL="0" indent="0" algn="ctr">
+            <a:r>
+              <a:rPr lang="en-US" altLang="zh-CN" dirty="0" err="1"/>
+              <a:t>Ssh</a:t>
+            </a:r>
+            <a:r>
+              <a:rPr lang="zh-CN" altLang="en-US" dirty="0"/>
+              <a:t> 服务</a:t>
+            </a:r>
+            <a:endParaRPr lang="en-US" altLang="zh-CN" dirty="0"/>
+          </a:p>
+          <a:p>
+            <a:pPr marL="0" indent="0">
               <a:buNone/>
             </a:pPr>
             <a:r>
-              <a:rPr lang="zh-CN" altLang="en-US" sz="9600" dirty="0"/>
-              <a:t>谢谢！</a:t>
-            </a:r>
+              <a:rPr lang="en-US" altLang="zh-CN" dirty="0"/>
+              <a:t>	</a:t>
+            </a:r>
+            <a:r>
+              <a:rPr lang="zh-CN" altLang="en-US" dirty="0"/>
+              <a:t>有的时候，我们需要远程访问自己的电脑，做一些修改，</a:t>
+            </a:r>
+            <a:r>
+              <a:rPr lang="en-US" altLang="zh-CN" dirty="0"/>
+              <a:t>windows</a:t>
+            </a:r>
+            <a:r>
+              <a:rPr lang="zh-CN" altLang="en-US" dirty="0"/>
+              <a:t>的话，用远程桌面，但是访问适量不怎么样，有了</a:t>
+            </a:r>
+            <a:r>
+              <a:rPr lang="en-US" altLang="zh-CN" dirty="0" err="1"/>
+              <a:t>ssh</a:t>
+            </a:r>
+            <a:r>
+              <a:rPr lang="zh-CN" altLang="en-US" dirty="0"/>
+              <a:t>服务之后，就可以像访问服务器那样访问自己的电脑</a:t>
+            </a:r>
+            <a:endParaRPr lang="en-US" altLang="zh-CN" dirty="0"/>
+          </a:p>
+          <a:p>
+            <a:pPr lvl="0">
+              <a:buClr>
+                <a:srgbClr val="A53010"/>
+              </a:buClr>
+            </a:pPr>
+            <a:r>
+              <a:rPr lang="en-US" altLang="zh-CN" dirty="0">
+                <a:solidFill>
+                  <a:prstClr val="black">
+                    <a:lumMod val="75000"/>
+                    <a:lumOff val="25000"/>
+                  </a:prstClr>
+                </a:solidFill>
+              </a:rPr>
+              <a:t>Vim</a:t>
+            </a:r>
+          </a:p>
+          <a:p>
+            <a:pPr marL="0" lvl="0" indent="0">
+              <a:buClr>
+                <a:srgbClr val="A53010"/>
+              </a:buClr>
+              <a:buNone/>
+            </a:pPr>
+            <a:r>
+              <a:rPr lang="en-US" altLang="zh-CN" dirty="0">
+                <a:solidFill>
+                  <a:prstClr val="black">
+                    <a:lumMod val="75000"/>
+                    <a:lumOff val="25000"/>
+                  </a:prstClr>
+                </a:solidFill>
+              </a:rPr>
+              <a:t>	vim</a:t>
+            </a:r>
+            <a:r>
+              <a:rPr lang="zh-CN" altLang="en-US">
+                <a:solidFill>
+                  <a:prstClr val="black">
+                    <a:lumMod val="75000"/>
+                    <a:lumOff val="25000"/>
+                  </a:prstClr>
+                </a:solidFill>
+              </a:rPr>
+              <a:t>是最强大的代码编辑软件，没有之一。但是学习成本跟高，且需要自己去配置各种的插件</a:t>
+            </a:r>
+            <a:endParaRPr lang="en-US" altLang="zh-CN" dirty="0">
+              <a:solidFill>
+                <a:prstClr val="black">
+                  <a:lumMod val="75000"/>
+                  <a:lumOff val="25000"/>
+                </a:prstClr>
+              </a:solidFill>
+            </a:endParaRPr>
+          </a:p>
+          <a:p>
+            <a:pPr marL="0" indent="0">
+              <a:buNone/>
+            </a:pPr>
+            <a:endParaRPr lang="zh-CN" altLang="en-US" dirty="0"/>
           </a:p>
         </p:txBody>
       </p:sp>
     </p:spTree>
     <p:extLst>
       <p:ext uri="{BB962C8B-B14F-4D97-AF65-F5344CB8AC3E}">
-        <p14:creationId xmlns:p14="http://schemas.microsoft.com/office/powerpoint/2010/main" val="2122105915"/>
+        <p14:creationId xmlns:p14="http://schemas.microsoft.com/office/powerpoint/2010/main" val="2464642588"/>
       </p:ext>
     </p:extLst>
   </p:cSld>
@@ -11405,6 +12031,442 @@
       <p:bldP spid="9" grpId="0"/>
     </p:bldLst>
   </p:timing>
+</p:sld>
+</file>
+
+<file path=ppt/slides/slide20.xml><?xml version="1.0" encoding="utf-8"?>
+<p:sld xmlns:a="http://schemas.openxmlformats.org/drawingml/2006/main" xmlns:r="http://schemas.openxmlformats.org/officeDocument/2006/relationships" xmlns:p="http://schemas.openxmlformats.org/presentationml/2006/main">
+  <p:cSld>
+    <p:spTree>
+      <p:nvGrpSpPr>
+        <p:cNvPr id="1" name=""/>
+        <p:cNvGrpSpPr/>
+        <p:nvPr/>
+      </p:nvGrpSpPr>
+      <p:grpSpPr>
+        <a:xfrm>
+          <a:off x="0" y="0"/>
+          <a:ext cx="0" cy="0"/>
+          <a:chOff x="0" y="0"/>
+          <a:chExt cx="0" cy="0"/>
+        </a:xfrm>
+      </p:grpSpPr>
+      <p:sp>
+        <p:nvSpPr>
+          <p:cNvPr id="2" name="标题 1">
+            <a:extLst>
+              <a:ext uri="{FF2B5EF4-FFF2-40B4-BE49-F238E27FC236}">
+                <a16:creationId xmlns:a16="http://schemas.microsoft.com/office/drawing/2014/main" id="{28092B5E-B2BD-496F-82FD-3B1F5A2636E7}"/>
+              </a:ext>
+            </a:extLst>
+          </p:cNvPr>
+          <p:cNvSpPr>
+            <a:spLocks noGrp="1"/>
+          </p:cNvSpPr>
+          <p:nvPr>
+            <p:ph type="title"/>
+          </p:nvPr>
+        </p:nvSpPr>
+        <p:spPr/>
+        <p:txBody>
+          <a:bodyPr/>
+          <a:lstStyle/>
+          <a:p>
+            <a:pPr algn="ctr"/>
+            <a:r>
+              <a:rPr lang="zh-CN" altLang="en-US" dirty="0"/>
+              <a:t>最后说说</a:t>
+            </a:r>
+            <a:r>
+              <a:rPr lang="en-US" altLang="zh-CN" dirty="0"/>
+              <a:t>win10 </a:t>
+            </a:r>
+            <a:r>
+              <a:rPr lang="zh-CN" altLang="en-US" dirty="0"/>
+              <a:t>的一些事</a:t>
+            </a:r>
+            <a:br>
+              <a:rPr lang="en-US" altLang="zh-CN" dirty="0"/>
+            </a:br>
+            <a:r>
+              <a:rPr lang="zh-CN" altLang="en-US" sz="2800" dirty="0"/>
+              <a:t>（针对</a:t>
+            </a:r>
+            <a:r>
+              <a:rPr lang="en-US" altLang="zh-CN" sz="2800" dirty="0"/>
+              <a:t>win10 </a:t>
+            </a:r>
+            <a:r>
+              <a:rPr lang="zh-CN" altLang="en-US" sz="2800" dirty="0"/>
+              <a:t>用户）</a:t>
+            </a:r>
+          </a:p>
+        </p:txBody>
+      </p:sp>
+      <p:sp>
+        <p:nvSpPr>
+          <p:cNvPr id="3" name="内容占位符 2">
+            <a:extLst>
+              <a:ext uri="{FF2B5EF4-FFF2-40B4-BE49-F238E27FC236}">
+                <a16:creationId xmlns:a16="http://schemas.microsoft.com/office/drawing/2014/main" id="{55D84F35-31AA-4852-9ECD-20EF13AF7ECF}"/>
+              </a:ext>
+            </a:extLst>
+          </p:cNvPr>
+          <p:cNvSpPr>
+            <a:spLocks noGrp="1"/>
+          </p:cNvSpPr>
+          <p:nvPr>
+            <p:ph idx="1"/>
+          </p:nvPr>
+        </p:nvSpPr>
+        <p:spPr>
+          <a:xfrm>
+            <a:off x="1619075" y="2133600"/>
+            <a:ext cx="6915326" cy="3777622"/>
+          </a:xfrm>
+        </p:spPr>
+        <p:txBody>
+          <a:bodyPr>
+            <a:normAutofit/>
+          </a:bodyPr>
+          <a:lstStyle/>
+          <a:p>
+            <a:r>
+              <a:rPr lang="en-US" altLang="zh-CN" dirty="0"/>
+              <a:t>Win10 </a:t>
+            </a:r>
+            <a:r>
+              <a:rPr lang="zh-CN" altLang="en-US" dirty="0"/>
+              <a:t>在尽一切努力来告诉大家，不要使用第三方软件</a:t>
+            </a:r>
+            <a:endParaRPr lang="en-US" altLang="zh-CN" dirty="0"/>
+          </a:p>
+          <a:p>
+            <a:pPr marL="0" indent="0">
+              <a:buNone/>
+            </a:pPr>
+            <a:r>
+              <a:rPr lang="en-US" altLang="zh-CN" sz="1600" dirty="0"/>
+              <a:t>	1</a:t>
+            </a:r>
+            <a:r>
+              <a:rPr lang="zh-CN" altLang="en-US" sz="1600" dirty="0"/>
+              <a:t>、不错的输入法</a:t>
+            </a:r>
+            <a:r>
+              <a:rPr lang="en-US" altLang="zh-CN" sz="1600" dirty="0"/>
+              <a:t>——wins10</a:t>
+            </a:r>
+            <a:r>
+              <a:rPr lang="zh-CN" altLang="en-US" sz="1600" dirty="0"/>
+              <a:t>输入法（不好用，但没有广告）</a:t>
+            </a:r>
+            <a:endParaRPr lang="en-US" altLang="zh-CN" sz="1600" dirty="0"/>
+          </a:p>
+          <a:p>
+            <a:pPr marL="0" indent="0">
+              <a:buNone/>
+            </a:pPr>
+            <a:r>
+              <a:rPr lang="en-US" altLang="zh-CN" sz="1600" dirty="0"/>
+              <a:t>	2</a:t>
+            </a:r>
+            <a:r>
+              <a:rPr lang="zh-CN" altLang="en-US" sz="1600" dirty="0"/>
+              <a:t>、自带的杀毒软件</a:t>
+            </a:r>
+            <a:r>
+              <a:rPr lang="en-US" altLang="zh-CN" sz="1600" dirty="0"/>
+              <a:t>——Windows Defender</a:t>
+            </a:r>
+            <a:r>
+              <a:rPr lang="zh-CN" altLang="en-US" sz="1600" dirty="0"/>
+              <a:t>（会乱拦截、但没广告）</a:t>
+            </a:r>
+            <a:endParaRPr lang="en-US" altLang="zh-CN" sz="1600" dirty="0"/>
+          </a:p>
+          <a:p>
+            <a:pPr marL="0" indent="0">
+              <a:buNone/>
+            </a:pPr>
+            <a:r>
+              <a:rPr lang="en-US" altLang="zh-CN" sz="1600" dirty="0"/>
+              <a:t>	3</a:t>
+            </a:r>
+            <a:r>
+              <a:rPr lang="zh-CN" altLang="en-US" sz="1600" dirty="0"/>
+              <a:t>、自带的虚拟机</a:t>
+            </a:r>
+            <a:r>
+              <a:rPr lang="en-US" altLang="zh-CN" sz="1600" dirty="0"/>
+              <a:t>——</a:t>
+            </a:r>
+            <a:r>
+              <a:rPr lang="en-US" altLang="zh-CN" sz="1600" dirty="0" err="1"/>
+              <a:t>Hyper-v</a:t>
+            </a:r>
+            <a:r>
+              <a:rPr lang="zh-CN" altLang="en-US" sz="1600" dirty="0"/>
+              <a:t>（虽然不好用，但是免费的）</a:t>
+            </a:r>
+            <a:endParaRPr lang="en-US" altLang="zh-CN" sz="1600" dirty="0"/>
+          </a:p>
+          <a:p>
+            <a:pPr marL="0" indent="0">
+              <a:buNone/>
+            </a:pPr>
+            <a:r>
+              <a:rPr lang="en-US" altLang="zh-CN" sz="1600" dirty="0"/>
+              <a:t>	4</a:t>
+            </a:r>
+            <a:r>
+              <a:rPr lang="zh-CN" altLang="en-US" sz="1600" dirty="0"/>
+              <a:t>、国内最好的浏览器</a:t>
+            </a:r>
+            <a:r>
+              <a:rPr lang="en-US" altLang="zh-CN" sz="1600" dirty="0"/>
+              <a:t>——Edge</a:t>
+            </a:r>
+            <a:r>
+              <a:rPr lang="zh-CN" altLang="en-US" sz="1600" dirty="0"/>
+              <a:t>（这个不接受反驳）</a:t>
+            </a:r>
+            <a:endParaRPr lang="en-US" altLang="zh-CN" sz="1600" dirty="0"/>
+          </a:p>
+          <a:p>
+            <a:pPr marL="0" indent="0">
+              <a:buNone/>
+            </a:pPr>
+            <a:r>
+              <a:rPr lang="en-US" altLang="zh-CN" sz="1600" dirty="0"/>
+              <a:t>	5</a:t>
+            </a:r>
+            <a:r>
+              <a:rPr lang="zh-CN" altLang="en-US" sz="1600" dirty="0"/>
+              <a:t>、最强大的快捷搜索</a:t>
+            </a:r>
+            <a:r>
+              <a:rPr lang="en-US" altLang="zh-CN" sz="1600" dirty="0"/>
+              <a:t>——</a:t>
+            </a:r>
+            <a:r>
+              <a:rPr lang="zh-CN" altLang="en-US" sz="1600" dirty="0"/>
+              <a:t>小娜（以前很好用，现在国内用不了）</a:t>
+            </a:r>
+            <a:endParaRPr lang="en-US" altLang="zh-CN" sz="1600" dirty="0"/>
+          </a:p>
+          <a:p>
+            <a:pPr marL="0" indent="0">
+              <a:buNone/>
+            </a:pPr>
+            <a:r>
+              <a:rPr lang="en-US" altLang="zh-CN" sz="1600" dirty="0"/>
+              <a:t>	6</a:t>
+            </a:r>
+            <a:r>
+              <a:rPr lang="zh-CN" altLang="en-US" sz="1600" dirty="0"/>
+              <a:t>、最全的办公软件</a:t>
+            </a:r>
+            <a:r>
+              <a:rPr lang="en-US" altLang="zh-CN" sz="1600" dirty="0"/>
+              <a:t>——office365</a:t>
+            </a:r>
+            <a:r>
+              <a:rPr lang="zh-CN" altLang="en-US" sz="1600" dirty="0"/>
+              <a:t>（付费的，且很贵）</a:t>
+            </a:r>
+            <a:endParaRPr lang="en-US" altLang="zh-CN" sz="1600" dirty="0"/>
+          </a:p>
+          <a:p>
+            <a:pPr marL="0" indent="0">
+              <a:buNone/>
+            </a:pPr>
+            <a:r>
+              <a:rPr lang="en-US" altLang="zh-CN" sz="1600" dirty="0"/>
+              <a:t>	7</a:t>
+            </a:r>
+            <a:r>
+              <a:rPr lang="zh-CN" altLang="en-US" sz="1600" dirty="0"/>
+              <a:t>、强大的即时通讯软件</a:t>
+            </a:r>
+            <a:r>
+              <a:rPr lang="en-US" altLang="zh-CN" sz="1600" dirty="0"/>
+              <a:t>——Skype</a:t>
+            </a:r>
+            <a:r>
+              <a:rPr lang="zh-CN" altLang="en-US" sz="1600" dirty="0"/>
+              <a:t>（不好意思，我用的是微信）</a:t>
+            </a:r>
+            <a:endParaRPr lang="en-US" altLang="zh-CN" sz="1600" dirty="0"/>
+          </a:p>
+          <a:p>
+            <a:pPr marL="0" indent="0">
+              <a:buNone/>
+            </a:pPr>
+            <a:r>
+              <a:rPr lang="en-US" altLang="zh-CN" sz="1600" dirty="0"/>
+              <a:t>	8</a:t>
+            </a:r>
+            <a:r>
+              <a:rPr lang="zh-CN" altLang="en-US" sz="1600" dirty="0"/>
+              <a:t>、还有邮件</a:t>
+            </a:r>
+            <a:r>
+              <a:rPr lang="en-US" altLang="zh-CN" sz="1600" dirty="0"/>
+              <a:t>——Hotmail</a:t>
+            </a:r>
+            <a:r>
+              <a:rPr lang="zh-CN" altLang="en-US" sz="1600" dirty="0"/>
+              <a:t>（额</a:t>
+            </a:r>
+            <a:r>
+              <a:rPr lang="en-US" altLang="zh-CN" sz="1600" dirty="0"/>
+              <a:t>…</a:t>
+            </a:r>
+            <a:r>
+              <a:rPr lang="zh-CN" altLang="en-US" sz="1600" dirty="0"/>
+              <a:t>我用的还是腾讯家的）</a:t>
+            </a:r>
+            <a:endParaRPr lang="en-US" altLang="zh-CN" sz="1600" dirty="0"/>
+          </a:p>
+          <a:p>
+            <a:pPr marL="0" indent="0">
+              <a:buNone/>
+            </a:pPr>
+            <a:r>
+              <a:rPr lang="en-US" altLang="zh-CN" sz="1600" dirty="0"/>
+              <a:t>	9</a:t>
+            </a:r>
+            <a:r>
+              <a:rPr lang="zh-CN" altLang="en-US" sz="1600" dirty="0"/>
+              <a:t>、最受欢迎的编程软件</a:t>
+            </a:r>
+            <a:r>
+              <a:rPr lang="en-US" altLang="zh-CN" sz="1600" dirty="0"/>
+              <a:t>——VS code</a:t>
+            </a:r>
+            <a:r>
+              <a:rPr lang="zh-CN" altLang="en-US" sz="1600" dirty="0"/>
+              <a:t>（但是没有</a:t>
+            </a:r>
+            <a:r>
+              <a:rPr lang="en-US" altLang="zh-CN" sz="1600" dirty="0"/>
+              <a:t>vim</a:t>
+            </a:r>
+            <a:r>
+              <a:rPr lang="zh-CN" altLang="en-US" sz="1600" dirty="0"/>
+              <a:t>强大）</a:t>
+            </a:r>
+            <a:endParaRPr lang="en-US" altLang="zh-CN" sz="1600" dirty="0"/>
+          </a:p>
+        </p:txBody>
+      </p:sp>
+    </p:spTree>
+    <p:extLst>
+      <p:ext uri="{BB962C8B-B14F-4D97-AF65-F5344CB8AC3E}">
+        <p14:creationId xmlns:p14="http://schemas.microsoft.com/office/powerpoint/2010/main" val="2281307621"/>
+      </p:ext>
+    </p:extLst>
+  </p:cSld>
+  <p:clrMapOvr>
+    <a:masterClrMapping/>
+  </p:clrMapOvr>
+</p:sld>
+</file>
+
+<file path=ppt/slides/slide21.xml><?xml version="1.0" encoding="utf-8"?>
+<p:sld xmlns:a="http://schemas.openxmlformats.org/drawingml/2006/main" xmlns:r="http://schemas.openxmlformats.org/officeDocument/2006/relationships" xmlns:p="http://schemas.openxmlformats.org/presentationml/2006/main">
+  <p:cSld>
+    <p:spTree>
+      <p:nvGrpSpPr>
+        <p:cNvPr id="1" name=""/>
+        <p:cNvGrpSpPr/>
+        <p:nvPr/>
+      </p:nvGrpSpPr>
+      <p:grpSpPr>
+        <a:xfrm>
+          <a:off x="0" y="0"/>
+          <a:ext cx="0" cy="0"/>
+          <a:chOff x="0" y="0"/>
+          <a:chExt cx="0" cy="0"/>
+        </a:xfrm>
+      </p:grpSpPr>
+      <p:sp>
+        <p:nvSpPr>
+          <p:cNvPr id="2" name="标题 1">
+            <a:extLst>
+              <a:ext uri="{FF2B5EF4-FFF2-40B4-BE49-F238E27FC236}">
+                <a16:creationId xmlns:a16="http://schemas.microsoft.com/office/drawing/2014/main" id="{E8965004-8B2E-494A-9420-944E0D0FD3B8}"/>
+              </a:ext>
+            </a:extLst>
+          </p:cNvPr>
+          <p:cNvSpPr>
+            <a:spLocks noGrp="1"/>
+          </p:cNvSpPr>
+          <p:nvPr>
+            <p:ph type="title"/>
+          </p:nvPr>
+        </p:nvSpPr>
+        <p:spPr/>
+        <p:txBody>
+          <a:bodyPr/>
+          <a:lstStyle/>
+          <a:p>
+            <a:r>
+              <a:rPr lang="zh-CN" altLang="en-US" dirty="0"/>
+              <a:t>没了</a:t>
+            </a:r>
+          </a:p>
+        </p:txBody>
+      </p:sp>
+      <p:sp>
+        <p:nvSpPr>
+          <p:cNvPr id="3" name="内容占位符 2">
+            <a:extLst>
+              <a:ext uri="{FF2B5EF4-FFF2-40B4-BE49-F238E27FC236}">
+                <a16:creationId xmlns:a16="http://schemas.microsoft.com/office/drawing/2014/main" id="{D154F9F8-C835-41B3-8608-A483089B5365}"/>
+              </a:ext>
+            </a:extLst>
+          </p:cNvPr>
+          <p:cNvSpPr>
+            <a:spLocks noGrp="1"/>
+          </p:cNvSpPr>
+          <p:nvPr>
+            <p:ph idx="1"/>
+          </p:nvPr>
+        </p:nvSpPr>
+        <p:spPr>
+          <a:xfrm>
+            <a:off x="1942415" y="2133600"/>
+            <a:ext cx="6591985" cy="2748793"/>
+          </a:xfrm>
+        </p:spPr>
+        <p:txBody>
+          <a:bodyPr>
+            <a:normAutofit/>
+          </a:bodyPr>
+          <a:lstStyle/>
+          <a:p>
+            <a:pPr marL="0" indent="0" algn="ctr">
+              <a:buNone/>
+            </a:pPr>
+            <a:r>
+              <a:rPr lang="zh-CN" altLang="en-US" sz="9600" dirty="0"/>
+              <a:t>谢谢！</a:t>
+            </a:r>
+          </a:p>
+        </p:txBody>
+      </p:sp>
+    </p:spTree>
+    <p:extLst>
+      <p:ext uri="{BB962C8B-B14F-4D97-AF65-F5344CB8AC3E}">
+        <p14:creationId xmlns:p14="http://schemas.microsoft.com/office/powerpoint/2010/main" val="2122105915"/>
+      </p:ext>
+    </p:extLst>
+  </p:cSld>
+  <p:clrMapOvr>
+    <a:masterClrMapping/>
+  </p:clrMapOvr>
 </p:sld>
 </file>
 
